--- a/Presentazione/Presentazione_Lobascio.pptx
+++ b/Presentazione/Presentazione_Lobascio.pptx
@@ -209,7 +209,7 @@
           <a:p>
             <a:fld id="{5D5743F6-57E9-4D06-8A39-D4488F8780E7}" type="datetimeFigureOut">
               <a:rPr lang="it-IT" smtClean="0"/>
-              <a:t>17/08/2021</a:t>
+              <a:t>25/08/2021</a:t>
             </a:fld>
             <a:endParaRPr lang="it-IT"/>
           </a:p>
@@ -703,7 +703,7 @@
           <a:p>
             <a:fld id="{608A1C71-D362-49E2-AD8B-81DBE780E570}" type="datetimeFigureOut">
               <a:rPr lang="it-IT" smtClean="0"/>
-              <a:t>17/08/2021</a:t>
+              <a:t>25/08/2021</a:t>
             </a:fld>
             <a:endParaRPr lang="it-IT"/>
           </a:p>
@@ -911,7 +911,7 @@
           <a:p>
             <a:fld id="{608A1C71-D362-49E2-AD8B-81DBE780E570}" type="datetimeFigureOut">
               <a:rPr lang="it-IT" smtClean="0"/>
-              <a:t>17/08/2021</a:t>
+              <a:t>25/08/2021</a:t>
             </a:fld>
             <a:endParaRPr lang="it-IT"/>
           </a:p>
@@ -1167,7 +1167,7 @@
           <a:p>
             <a:fld id="{608A1C71-D362-49E2-AD8B-81DBE780E570}" type="datetimeFigureOut">
               <a:rPr lang="it-IT" smtClean="0"/>
-              <a:t>17/08/2021</a:t>
+              <a:t>25/08/2021</a:t>
             </a:fld>
             <a:endParaRPr lang="it-IT"/>
           </a:p>
@@ -1341,7 +1341,7 @@
           <a:p>
             <a:fld id="{608A1C71-D362-49E2-AD8B-81DBE780E570}" type="datetimeFigureOut">
               <a:rPr lang="it-IT" smtClean="0"/>
-              <a:t>17/08/2021</a:t>
+              <a:t>25/08/2021</a:t>
             </a:fld>
             <a:endParaRPr lang="it-IT"/>
           </a:p>
@@ -1684,7 +1684,7 @@
           <a:p>
             <a:fld id="{608A1C71-D362-49E2-AD8B-81DBE780E570}" type="datetimeFigureOut">
               <a:rPr lang="it-IT" smtClean="0"/>
-              <a:t>17/08/2021</a:t>
+              <a:t>25/08/2021</a:t>
             </a:fld>
             <a:endParaRPr lang="it-IT"/>
           </a:p>
@@ -1959,7 +1959,7 @@
           <a:p>
             <a:fld id="{608A1C71-D362-49E2-AD8B-81DBE780E570}" type="datetimeFigureOut">
               <a:rPr lang="it-IT" smtClean="0"/>
-              <a:t>17/08/2021</a:t>
+              <a:t>25/08/2021</a:t>
             </a:fld>
             <a:endParaRPr lang="it-IT"/>
           </a:p>
@@ -2338,7 +2338,7 @@
           <a:p>
             <a:fld id="{608A1C71-D362-49E2-AD8B-81DBE780E570}" type="datetimeFigureOut">
               <a:rPr lang="it-IT" smtClean="0"/>
-              <a:t>17/08/2021</a:t>
+              <a:t>25/08/2021</a:t>
             </a:fld>
             <a:endParaRPr lang="it-IT"/>
           </a:p>
@@ -2456,7 +2456,7 @@
           <a:p>
             <a:fld id="{608A1C71-D362-49E2-AD8B-81DBE780E570}" type="datetimeFigureOut">
               <a:rPr lang="it-IT" smtClean="0"/>
-              <a:t>17/08/2021</a:t>
+              <a:t>25/08/2021</a:t>
             </a:fld>
             <a:endParaRPr lang="it-IT"/>
           </a:p>
@@ -2627,7 +2627,7 @@
           <a:p>
             <a:fld id="{608A1C71-D362-49E2-AD8B-81DBE780E570}" type="datetimeFigureOut">
               <a:rPr lang="it-IT" smtClean="0"/>
-              <a:t>17/08/2021</a:t>
+              <a:t>25/08/2021</a:t>
             </a:fld>
             <a:endParaRPr lang="it-IT"/>
           </a:p>
@@ -2981,7 +2981,7 @@
           <a:p>
             <a:fld id="{608A1C71-D362-49E2-AD8B-81DBE780E570}" type="datetimeFigureOut">
               <a:rPr lang="it-IT" smtClean="0"/>
-              <a:t>17/08/2021</a:t>
+              <a:t>25/08/2021</a:t>
             </a:fld>
             <a:endParaRPr lang="it-IT"/>
           </a:p>
@@ -3363,7 +3363,7 @@
           <a:p>
             <a:fld id="{608A1C71-D362-49E2-AD8B-81DBE780E570}" type="datetimeFigureOut">
               <a:rPr lang="it-IT" smtClean="0"/>
-              <a:t>17/08/2021</a:t>
+              <a:t>25/08/2021</a:t>
             </a:fld>
             <a:endParaRPr lang="it-IT"/>
           </a:p>
@@ -3650,7 +3650,7 @@
           <a:p>
             <a:fld id="{608A1C71-D362-49E2-AD8B-81DBE780E570}" type="datetimeFigureOut">
               <a:rPr lang="it-IT" smtClean="0"/>
-              <a:t>17/08/2021</a:t>
+              <a:t>25/08/2021</a:t>
             </a:fld>
             <a:endParaRPr lang="it-IT"/>
           </a:p>
@@ -5332,51 +5332,52 @@
             </a:r>
             <a:r>
               <a:rPr lang="it-IT" dirty="0"/>
-              <a:t> </a:t>
-            </a:r>
-            <a:r>
-              <a:rPr lang="it-IT" dirty="0" smtClean="0"/>
-              <a:t>(in formato HTML):</a:t>
-            </a:r>
+              <a:t>:</a:t>
+            </a:r>
+            <a:endParaRPr lang="it-IT" dirty="0" smtClean="0"/>
           </a:p>
           <a:p>
             <a:r>
               <a:rPr lang="it-IT" dirty="0">
                 <a:hlinkClick r:id="rId3"/>
               </a:rPr>
-              <a:t>https://github.com/ll2909/ICon_mental_diagnosis/tree/main/doc/_build/html</a:t>
+              <a:t>https://github.com/ll2909/ICon_mental_diagnosis/tree/main/doc/_</a:t>
+            </a:r>
+            <a:r>
+              <a:rPr lang="it-IT" dirty="0" smtClean="0">
+                <a:hlinkClick r:id="rId3"/>
+              </a:rPr>
+              <a:t>build/html</a:t>
+            </a:r>
+            <a:r>
+              <a:rPr lang="it-IT" dirty="0" smtClean="0"/>
+              <a:t> (HTML)</a:t>
+            </a:r>
+          </a:p>
+          <a:p>
+            <a:r>
+              <a:rPr lang="it-IT">
+                <a:hlinkClick r:id="rId4"/>
+              </a:rPr>
+              <a:t>https</a:t>
+            </a:r>
+            <a:r>
+              <a:rPr lang="it-IT">
+                <a:hlinkClick r:id="rId4"/>
+              </a:rPr>
+              <a:t>://</a:t>
+            </a:r>
+            <a:r>
+              <a:rPr lang="it-IT" smtClean="0">
+                <a:hlinkClick r:id="rId4"/>
+              </a:rPr>
+              <a:t>github.com/ll2909/ICon_mental_diagnosis/blob/main/doc/doc_final.pdf</a:t>
+            </a:r>
+            <a:r>
+              <a:rPr lang="it-IT" smtClean="0"/>
+              <a:t> (PDF)</a:t>
             </a:r>
             <a:endParaRPr lang="it-IT" dirty="0" smtClean="0"/>
-          </a:p>
-          <a:p>
-            <a:r>
-              <a:rPr lang="it-IT" dirty="0" smtClean="0"/>
-              <a:t>Si consiglia di scaricare la </a:t>
-            </a:r>
-            <a:r>
-              <a:rPr lang="it-IT" dirty="0" err="1" smtClean="0"/>
-              <a:t>repository</a:t>
-            </a:r>
-            <a:r>
-              <a:rPr lang="it-IT" dirty="0" smtClean="0"/>
-              <a:t> e di aprire il file nel percorso</a:t>
-            </a:r>
-            <a:endParaRPr lang="it-IT" dirty="0"/>
-          </a:p>
-          <a:p>
-            <a:r>
-              <a:rPr lang="it-IT" dirty="0"/>
-              <a:t>doc\_</a:t>
-            </a:r>
-            <a:r>
-              <a:rPr lang="it-IT" dirty="0" err="1" smtClean="0"/>
-              <a:t>build</a:t>
-            </a:r>
-            <a:r>
-              <a:rPr lang="it-IT" dirty="0" smtClean="0"/>
-              <a:t>\html\index.html</a:t>
-            </a:r>
-            <a:endParaRPr lang="it-IT" dirty="0"/>
           </a:p>
         </p:txBody>
       </p:sp>
@@ -5648,8 +5649,8 @@
               <a:t>sottodiagnosi</a:t>
             </a:r>
             <a:r>
-              <a:rPr lang="it-IT" dirty="0" smtClean="0"/>
-              <a:t>. Queste informazioni sono conservate in formato XML.</a:t>
+              <a:rPr lang="it-IT" smtClean="0"/>
+              <a:t>.</a:t>
             </a:r>
             <a:endParaRPr lang="it-IT" dirty="0"/>
           </a:p>

--- a/Presentazione/Presentazione_Lobascio.pptx
+++ b/Presentazione/Presentazione_Lobascio.pptx
@@ -4553,12 +4553,12 @@
               <a:t> Diagnosis.csv e per la funzionalità di ricerca. Il </a:t>
             </a:r>
             <a:r>
-              <a:rPr lang="it-IT" dirty="0" err="1" smtClean="0"/>
-              <a:t>dataset</a:t>
-            </a:r>
-            <a:r>
               <a:rPr lang="it-IT" dirty="0" smtClean="0"/>
-              <a:t> è ottenibile </a:t>
+              <a:t>file </a:t>
+            </a:r>
+            <a:r>
+              <a:rPr lang="it-IT" dirty="0" smtClean="0"/>
+              <a:t>è ottenibile </a:t>
             </a:r>
             <a:r>
               <a:rPr lang="it-IT" dirty="0"/>
@@ -4959,7 +4959,7 @@
         </p:nvSpPr>
         <p:spPr>
           <a:xfrm>
-            <a:off x="1160706" y="3372739"/>
+            <a:off x="1097280" y="3990109"/>
             <a:ext cx="4610100" cy="323165"/>
           </a:xfrm>
           <a:prstGeom prst="rect">
@@ -5013,13 +5013,11 @@
       </p:sp>
       <p:pic>
         <p:nvPicPr>
-          <p:cNvPr id="5" name="Segnaposto contenuto 4"/>
+          <p:cNvPr id="7" name="Immagine 6"/>
           <p:cNvPicPr>
-            <a:picLocks noGrp="1" noChangeAspect="1"/>
+            <a:picLocks noChangeAspect="1"/>
           </p:cNvPicPr>
-          <p:nvPr>
-            <p:ph idx="1"/>
-          </p:nvPr>
+          <p:nvPr/>
         </p:nvPicPr>
         <p:blipFill>
           <a:blip r:embed="rId2">
@@ -5035,18 +5033,23 @@
         </p:blipFill>
         <p:spPr>
           <a:xfrm>
-            <a:off x="1160706" y="1780949"/>
-            <a:ext cx="4275818" cy="1591790"/>
-          </a:xfrm>
+            <a:off x="5786999" y="1780949"/>
+            <a:ext cx="5420503" cy="4054594"/>
+          </a:xfrm>
+          <a:prstGeom prst="rect">
+            <a:avLst/>
+          </a:prstGeom>
         </p:spPr>
       </p:pic>
       <p:pic>
         <p:nvPicPr>
-          <p:cNvPr id="7" name="Immagine 6"/>
+          <p:cNvPr id="4" name="Segnaposto contenuto 3"/>
           <p:cNvPicPr>
-            <a:picLocks noChangeAspect="1"/>
+            <a:picLocks noGrp="1" noChangeAspect="1"/>
           </p:cNvPicPr>
-          <p:nvPr/>
+          <p:nvPr>
+            <p:ph idx="1"/>
+          </p:nvPr>
         </p:nvPicPr>
         <p:blipFill>
           <a:blip r:embed="rId3">
@@ -5062,12 +5065,9 @@
         </p:blipFill>
         <p:spPr>
           <a:xfrm>
-            <a:off x="5786999" y="1780949"/>
-            <a:ext cx="5420503" cy="4054594"/>
-          </a:xfrm>
-          <a:prstGeom prst="rect">
-            <a:avLst/>
-          </a:prstGeom>
+            <a:off x="1097280" y="1780949"/>
+            <a:ext cx="4442074" cy="2209160"/>
+          </a:xfrm>
         </p:spPr>
       </p:pic>
     </p:spTree>
@@ -5359,13 +5359,7 @@
               <a:rPr lang="it-IT">
                 <a:hlinkClick r:id="rId4"/>
               </a:rPr>
-              <a:t>https</a:t>
-            </a:r>
-            <a:r>
-              <a:rPr lang="it-IT">
-                <a:hlinkClick r:id="rId4"/>
-              </a:rPr>
-              <a:t>://</a:t>
+              <a:t>https://</a:t>
             </a:r>
             <a:r>
               <a:rPr lang="it-IT" smtClean="0">
@@ -5972,8 +5966,13 @@
             </a:pPr>
             <a:r>
               <a:rPr lang="it-IT" dirty="0" smtClean="0"/>
-              <a:t>Calcolo della probabilità totale.</a:t>
-            </a:r>
+              <a:t>Calcolo della </a:t>
+            </a:r>
+            <a:r>
+              <a:rPr lang="it-IT" dirty="0" smtClean="0"/>
+              <a:t>probabilità totale.</a:t>
+            </a:r>
+            <a:endParaRPr lang="it-IT" dirty="0" smtClean="0"/>
           </a:p>
         </p:txBody>
       </p:sp>
